--- a/1512211-1512280.pptx
+++ b/1512211-1512280.pptx
@@ -450,7 +450,7 @@
           <a:p>
             <a:fld id="{F3F70ECA-A7D2-4965-883A-F3801DFD7EF3}" type="datetimeFigureOut">
               <a:rPr lang="en-US" smtClean="0"/>
-              <a:t>1/5/2020</a:t>
+              <a:t>1/9/2020</a:t>
             </a:fld>
             <a:endParaRPr lang="en-US"/>
           </a:p>
@@ -774,7 +774,7 @@
           <a:p>
             <a:fld id="{F3F70ECA-A7D2-4965-883A-F3801DFD7EF3}" type="datetimeFigureOut">
               <a:rPr lang="en-US" smtClean="0"/>
-              <a:t>1/5/2020</a:t>
+              <a:t>1/9/2020</a:t>
             </a:fld>
             <a:endParaRPr lang="en-US"/>
           </a:p>
@@ -1022,7 +1022,7 @@
           <a:p>
             <a:fld id="{F3F70ECA-A7D2-4965-883A-F3801DFD7EF3}" type="datetimeFigureOut">
               <a:rPr lang="en-US" smtClean="0"/>
-              <a:t>1/5/2020</a:t>
+              <a:t>1/9/2020</a:t>
             </a:fld>
             <a:endParaRPr lang="en-US"/>
           </a:p>
@@ -1361,7 +1361,7 @@
           <a:p>
             <a:fld id="{F3F70ECA-A7D2-4965-883A-F3801DFD7EF3}" type="datetimeFigureOut">
               <a:rPr lang="en-US" smtClean="0"/>
-              <a:t>1/5/2020</a:t>
+              <a:t>1/9/2020</a:t>
             </a:fld>
             <a:endParaRPr lang="en-US"/>
           </a:p>
@@ -1708,7 +1708,7 @@
           <a:p>
             <a:fld id="{F3F70ECA-A7D2-4965-883A-F3801DFD7EF3}" type="datetimeFigureOut">
               <a:rPr lang="en-US" smtClean="0"/>
-              <a:t>1/5/2020</a:t>
+              <a:t>1/9/2020</a:t>
             </a:fld>
             <a:endParaRPr lang="en-US"/>
           </a:p>
@@ -2082,7 +2082,7 @@
           <a:p>
             <a:fld id="{F3F70ECA-A7D2-4965-883A-F3801DFD7EF3}" type="datetimeFigureOut">
               <a:rPr lang="en-US" smtClean="0"/>
-              <a:t>1/5/2020</a:t>
+              <a:t>1/9/2020</a:t>
             </a:fld>
             <a:endParaRPr lang="en-US"/>
           </a:p>
@@ -2552,7 +2552,7 @@
           <a:p>
             <a:fld id="{F3F70ECA-A7D2-4965-883A-F3801DFD7EF3}" type="datetimeFigureOut">
               <a:rPr lang="en-US" smtClean="0"/>
-              <a:t>1/5/2020</a:t>
+              <a:t>1/9/2020</a:t>
             </a:fld>
             <a:endParaRPr lang="en-US"/>
           </a:p>
@@ -2757,7 +2757,7 @@
           <a:p>
             <a:fld id="{F3F70ECA-A7D2-4965-883A-F3801DFD7EF3}" type="datetimeFigureOut">
               <a:rPr lang="en-US" smtClean="0"/>
-              <a:t>1/5/2020</a:t>
+              <a:t>1/9/2020</a:t>
             </a:fld>
             <a:endParaRPr lang="en-US"/>
           </a:p>
@@ -2968,7 +2968,7 @@
           <a:p>
             <a:fld id="{F3F70ECA-A7D2-4965-883A-F3801DFD7EF3}" type="datetimeFigureOut">
               <a:rPr lang="en-US" smtClean="0"/>
-              <a:t>1/5/2020</a:t>
+              <a:t>1/9/2020</a:t>
             </a:fld>
             <a:endParaRPr lang="en-US"/>
           </a:p>
@@ -3200,7 +3200,7 @@
           <a:p>
             <a:fld id="{F3F70ECA-A7D2-4965-883A-F3801DFD7EF3}" type="datetimeFigureOut">
               <a:rPr lang="en-US" smtClean="0"/>
-              <a:t>1/5/2020</a:t>
+              <a:t>1/9/2020</a:t>
             </a:fld>
             <a:endParaRPr lang="en-US"/>
           </a:p>
@@ -3448,7 +3448,7 @@
           <a:p>
             <a:fld id="{F3F70ECA-A7D2-4965-883A-F3801DFD7EF3}" type="datetimeFigureOut">
               <a:rPr lang="en-US" smtClean="0"/>
-              <a:t>1/5/2020</a:t>
+              <a:t>1/9/2020</a:t>
             </a:fld>
             <a:endParaRPr lang="en-US"/>
           </a:p>
@@ -3746,7 +3746,7 @@
           <a:p>
             <a:fld id="{F3F70ECA-A7D2-4965-883A-F3801DFD7EF3}" type="datetimeFigureOut">
               <a:rPr lang="en-US" smtClean="0"/>
-              <a:t>1/5/2020</a:t>
+              <a:t>1/9/2020</a:t>
             </a:fld>
             <a:endParaRPr lang="en-US"/>
           </a:p>
@@ -4140,7 +4140,7 @@
           <a:p>
             <a:fld id="{F3F70ECA-A7D2-4965-883A-F3801DFD7EF3}" type="datetimeFigureOut">
               <a:rPr lang="en-US" smtClean="0"/>
-              <a:t>1/5/2020</a:t>
+              <a:t>1/9/2020</a:t>
             </a:fld>
             <a:endParaRPr lang="en-US"/>
           </a:p>
@@ -4289,7 +4289,7 @@
           <a:p>
             <a:fld id="{F3F70ECA-A7D2-4965-883A-F3801DFD7EF3}" type="datetimeFigureOut">
               <a:rPr lang="en-US" smtClean="0"/>
-              <a:t>1/5/2020</a:t>
+              <a:t>1/9/2020</a:t>
             </a:fld>
             <a:endParaRPr lang="en-US"/>
           </a:p>
@@ -4415,7 +4415,7 @@
           <a:p>
             <a:fld id="{F3F70ECA-A7D2-4965-883A-F3801DFD7EF3}" type="datetimeFigureOut">
               <a:rPr lang="en-US" smtClean="0"/>
-              <a:t>1/5/2020</a:t>
+              <a:t>1/9/2020</a:t>
             </a:fld>
             <a:endParaRPr lang="en-US"/>
           </a:p>
@@ -4670,7 +4670,7 @@
           <a:p>
             <a:fld id="{F3F70ECA-A7D2-4965-883A-F3801DFD7EF3}" type="datetimeFigureOut">
               <a:rPr lang="en-US" smtClean="0"/>
-              <a:t>1/5/2020</a:t>
+              <a:t>1/9/2020</a:t>
             </a:fld>
             <a:endParaRPr lang="en-US"/>
           </a:p>
@@ -4985,7 +4985,7 @@
           <a:p>
             <a:fld id="{F3F70ECA-A7D2-4965-883A-F3801DFD7EF3}" type="datetimeFigureOut">
               <a:rPr lang="en-US" smtClean="0"/>
-              <a:t>1/5/2020</a:t>
+              <a:t>1/9/2020</a:t>
             </a:fld>
             <a:endParaRPr lang="en-US"/>
           </a:p>
@@ -5336,7 +5336,7 @@
           <a:p>
             <a:fld id="{F3F70ECA-A7D2-4965-883A-F3801DFD7EF3}" type="datetimeFigureOut">
               <a:rPr lang="en-US" smtClean="0"/>
-              <a:t>1/5/2020</a:t>
+              <a:t>1/9/2020</a:t>
             </a:fld>
             <a:endParaRPr lang="en-US"/>
           </a:p>
@@ -7365,6 +7365,48 @@
                 <a:latin typeface="Arial" panose="020B0604020202020204" pitchFamily="34" charset="0"/>
                 <a:cs typeface="Arial" panose="020B0604020202020204" pitchFamily="34" charset="0"/>
               </a:rPr>
+              <a:t> ở </a:t>
+            </a:r>
+            <a:r>
+              <a:rPr lang="en-US" dirty="0" err="1">
+                <a:latin typeface="Arial" panose="020B0604020202020204" pitchFamily="34" charset="0"/>
+                <a:cs typeface="Arial" panose="020B0604020202020204" pitchFamily="34" charset="0"/>
+              </a:rPr>
+              <a:t>cột</a:t>
+            </a:r>
+            <a:r>
+              <a:rPr lang="en-US" dirty="0">
+                <a:latin typeface="Arial" panose="020B0604020202020204" pitchFamily="34" charset="0"/>
+                <a:cs typeface="Arial" panose="020B0604020202020204" pitchFamily="34" charset="0"/>
+              </a:rPr>
+              <a:t> </a:t>
+            </a:r>
+            <a:r>
+              <a:rPr lang="en-US" dirty="0" err="1">
+                <a:latin typeface="Arial" panose="020B0604020202020204" pitchFamily="34" charset="0"/>
+                <a:cs typeface="Arial" panose="020B0604020202020204" pitchFamily="34" charset="0"/>
+              </a:rPr>
+              <a:t>sô</a:t>
+            </a:r>
+            <a:r>
+              <a:rPr lang="en-US" dirty="0">
+                <a:latin typeface="Arial" panose="020B0604020202020204" pitchFamily="34" charset="0"/>
+                <a:cs typeface="Arial" panose="020B0604020202020204" pitchFamily="34" charset="0"/>
+              </a:rPr>
+              <a:t>́ </a:t>
+            </a:r>
+            <a:r>
+              <a:rPr lang="en-US" dirty="0" err="1">
+                <a:latin typeface="Arial" panose="020B0604020202020204" pitchFamily="34" charset="0"/>
+                <a:cs typeface="Arial" panose="020B0604020202020204" pitchFamily="34" charset="0"/>
+              </a:rPr>
+              <a:t>trang</a:t>
+            </a:r>
+            <a:r>
+              <a:rPr lang="en-US" dirty="0">
+                <a:latin typeface="Arial" panose="020B0604020202020204" pitchFamily="34" charset="0"/>
+                <a:cs typeface="Arial" panose="020B0604020202020204" pitchFamily="34" charset="0"/>
+              </a:rPr>
               <a:t> </a:t>
             </a:r>
             <a:r>
@@ -8297,6 +8339,57 @@
               <a:rPr lang="en-US" dirty="0"/>
               <a:t>: 12.662845231891605</a:t>
             </a:r>
+          </a:p>
+          <a:p>
+            <a:r>
+              <a:rPr lang="en-US" dirty="0" err="1"/>
+              <a:t>Mô</a:t>
+            </a:r>
+            <a:r>
+              <a:rPr lang="en-US" dirty="0"/>
+              <a:t> </a:t>
+            </a:r>
+            <a:r>
+              <a:rPr lang="en-US" dirty="0" err="1"/>
+              <a:t>hình</a:t>
+            </a:r>
+            <a:r>
+              <a:rPr lang="en-US" dirty="0"/>
+              <a:t> có khả </a:t>
+            </a:r>
+            <a:r>
+              <a:rPr lang="en-US" dirty="0" err="1"/>
+              <a:t>năng</a:t>
+            </a:r>
+            <a:r>
+              <a:rPr lang="en-US" dirty="0"/>
+              <a:t> </a:t>
+            </a:r>
+            <a:r>
+              <a:rPr lang="en-US" dirty="0" err="1"/>
+              <a:t>áp</a:t>
+            </a:r>
+            <a:r>
+              <a:rPr lang="en-US" dirty="0"/>
+              <a:t> </a:t>
+            </a:r>
+            <a:r>
+              <a:rPr lang="en-US" dirty="0" err="1"/>
+              <a:t>dụng</a:t>
+            </a:r>
+            <a:r>
+              <a:rPr lang="en-US" dirty="0"/>
+              <a:t> đ</a:t>
+            </a:r>
+            <a:r>
+              <a:rPr lang="vi-VN" dirty="0"/>
+              <a:t>ư</a:t>
+            </a:r>
+            <a:r>
+              <a:rPr lang="en-US" dirty="0" err="1"/>
+              <a:t>ợc</a:t>
+            </a:r>
+            <a:endParaRPr lang="en-US" dirty="0"/>
           </a:p>
         </p:txBody>
       </p:sp>
